--- a/47_useStateObj.pptx
+++ b/47_useStateObj.pptx
@@ -5,7 +5,7 @@
     <p:sldMasterId id="2147483648" r:id="rId1"/>
   </p:sldMasterIdLst>
   <p:notesMasterIdLst>
-    <p:notesMasterId r:id="rId18"/>
+    <p:notesMasterId r:id="rId19"/>
   </p:notesMasterIdLst>
   <p:sldIdLst>
     <p:sldId id="256" r:id="rId2"/>
@@ -21,9 +21,10 @@
     <p:sldId id="275" r:id="rId12"/>
     <p:sldId id="273" r:id="rId13"/>
     <p:sldId id="276" r:id="rId14"/>
-    <p:sldId id="277" r:id="rId15"/>
-    <p:sldId id="278" r:id="rId16"/>
-    <p:sldId id="259" r:id="rId17"/>
+    <p:sldId id="278" r:id="rId15"/>
+    <p:sldId id="277" r:id="rId16"/>
+    <p:sldId id="279" r:id="rId17"/>
+    <p:sldId id="259" r:id="rId18"/>
   </p:sldIdLst>
   <p:sldSz cx="9144000" cy="6858000" type="screen4x3"/>
   <p:notesSz cx="6858000" cy="9144000"/>
@@ -224,7 +225,7 @@
             <a:fld id="{6837EDA8-41C8-4B24-A206-13C08A65A6D7}" type="datetimeFigureOut">
               <a:rPr lang="zh-TW" altLang="en-US" smtClean="0"/>
               <a:pPr/>
-              <a:t>2020/4/17</a:t>
+              <a:t>2020/6/29</a:t>
             </a:fld>
             <a:endParaRPr lang="zh-TW" altLang="en-US"/>
           </a:p>
@@ -677,7 +678,7 @@
             <a:fld id="{8B85509C-BD4F-47BF-9B1E-FC2E949B3621}" type="datetime1">
               <a:rPr lang="zh-TW" altLang="en-US" smtClean="0"/>
               <a:pPr/>
-              <a:t>2020/4/17</a:t>
+              <a:t>2020/6/29</a:t>
             </a:fld>
             <a:endParaRPr lang="zh-TW" altLang="en-US"/>
           </a:p>
@@ -850,7 +851,7 @@
             <a:fld id="{42251B24-F787-4C15-8A0F-7AEC20C70069}" type="datetime1">
               <a:rPr lang="zh-TW" altLang="en-US" smtClean="0"/>
               <a:pPr/>
-              <a:t>2020/4/17</a:t>
+              <a:t>2020/6/29</a:t>
             </a:fld>
             <a:endParaRPr lang="zh-TW" altLang="en-US"/>
           </a:p>
@@ -1025,7 +1026,7 @@
             <a:fld id="{9CA0D33C-CE2B-45F1-B8D4-FFD1F131F331}" type="datetime1">
               <a:rPr lang="zh-TW" altLang="en-US" smtClean="0"/>
               <a:pPr/>
-              <a:t>2020/4/17</a:t>
+              <a:t>2020/6/29</a:t>
             </a:fld>
             <a:endParaRPr lang="zh-TW" altLang="en-US"/>
           </a:p>
@@ -1190,7 +1191,7 @@
             <a:fld id="{50B99440-D9EF-40CC-9B52-F6428D9B2C76}" type="datetime1">
               <a:rPr lang="zh-TW" altLang="en-US" smtClean="0"/>
               <a:pPr/>
-              <a:t>2020/4/17</a:t>
+              <a:t>2020/6/29</a:t>
             </a:fld>
             <a:endParaRPr lang="zh-TW" altLang="en-US"/>
           </a:p>
@@ -1432,7 +1433,7 @@
             <a:fld id="{0871BF52-5C6C-4959-8E27-CECB68D39FE4}" type="datetime1">
               <a:rPr lang="zh-TW" altLang="en-US" smtClean="0"/>
               <a:pPr/>
-              <a:t>2020/4/17</a:t>
+              <a:t>2020/6/29</a:t>
             </a:fld>
             <a:endParaRPr lang="zh-TW" altLang="en-US"/>
           </a:p>
@@ -1714,7 +1715,7 @@
             <a:fld id="{DF863F05-2DD9-4EB1-A827-12FD992DE9DC}" type="datetime1">
               <a:rPr lang="zh-TW" altLang="en-US" smtClean="0"/>
               <a:pPr/>
-              <a:t>2020/4/17</a:t>
+              <a:t>2020/6/29</a:t>
             </a:fld>
             <a:endParaRPr lang="zh-TW" altLang="en-US"/>
           </a:p>
@@ -2130,7 +2131,7 @@
             <a:fld id="{6339AF51-4491-4873-A096-75DB6CE47516}" type="datetime1">
               <a:rPr lang="zh-TW" altLang="en-US" smtClean="0"/>
               <a:pPr/>
-              <a:t>2020/4/17</a:t>
+              <a:t>2020/6/29</a:t>
             </a:fld>
             <a:endParaRPr lang="zh-TW" altLang="en-US"/>
           </a:p>
@@ -2244,7 +2245,7 @@
             <a:fld id="{EE4AD9C8-8B9E-40FF-ABE2-858AC2057BBB}" type="datetime1">
               <a:rPr lang="zh-TW" altLang="en-US" smtClean="0"/>
               <a:pPr/>
-              <a:t>2020/4/17</a:t>
+              <a:t>2020/6/29</a:t>
             </a:fld>
             <a:endParaRPr lang="zh-TW" altLang="en-US"/>
           </a:p>
@@ -2336,7 +2337,7 @@
             <a:fld id="{B4784999-BBBE-4BE4-A8D0-877E7D1D66CC}" type="datetime1">
               <a:rPr lang="zh-TW" altLang="en-US" smtClean="0"/>
               <a:pPr/>
-              <a:t>2020/4/17</a:t>
+              <a:t>2020/6/29</a:t>
             </a:fld>
             <a:endParaRPr lang="zh-TW" altLang="en-US"/>
           </a:p>
@@ -2608,7 +2609,7 @@
             <a:fld id="{E88D17E6-02BD-4944-B9FE-7BFCCBF83D48}" type="datetime1">
               <a:rPr lang="zh-TW" altLang="en-US" smtClean="0"/>
               <a:pPr/>
-              <a:t>2020/4/17</a:t>
+              <a:t>2020/6/29</a:t>
             </a:fld>
             <a:endParaRPr lang="zh-TW" altLang="en-US"/>
           </a:p>
@@ -2857,7 +2858,7 @@
             <a:fld id="{3C13E23D-1FEF-4D78-A3A3-3D6F2BB31954}" type="datetime1">
               <a:rPr lang="zh-TW" altLang="en-US" smtClean="0"/>
               <a:pPr/>
-              <a:t>2020/4/17</a:t>
+              <a:t>2020/6/29</a:t>
             </a:fld>
             <a:endParaRPr lang="zh-TW" altLang="en-US"/>
           </a:p>
@@ -3065,7 +3066,7 @@
             <a:fld id="{06197F35-AD6F-4594-8B50-334492D2E7E8}" type="datetime1">
               <a:rPr lang="zh-TW" altLang="en-US" smtClean="0"/>
               <a:pPr/>
-              <a:t>2020/4/17</a:t>
+              <a:t>2020/6/29</a:t>
             </a:fld>
             <a:endParaRPr lang="zh-TW" altLang="en-US"/>
           </a:p>
@@ -3542,7 +3543,7 @@
             <a:fld id="{C389EDC9-19E3-47AC-9C57-C6A24DEA81AD}" type="datetime1">
               <a:rPr lang="zh-TW" altLang="en-US" smtClean="0"/>
               <a:pPr/>
-              <a:t>2020/4/17</a:t>
+              <a:t>2020/6/29</a:t>
             </a:fld>
             <a:endParaRPr lang="zh-TW" altLang="en-US"/>
           </a:p>
@@ -3688,7 +3689,7 @@
             <a:fld id="{C389EDC9-19E3-47AC-9C57-C6A24DEA81AD}" type="datetime1">
               <a:rPr lang="zh-TW" altLang="en-US" smtClean="0"/>
               <a:pPr/>
-              <a:t>2020/4/17</a:t>
+              <a:t>2020/6/29</a:t>
             </a:fld>
             <a:endParaRPr lang="zh-TW" altLang="en-US"/>
           </a:p>
@@ -4039,7 +4040,7 @@
             <a:fld id="{A4F910E6-8D00-4BAF-8C48-9688E0B449D3}" type="datetime1">
               <a:rPr lang="zh-TW" altLang="en-US" smtClean="0"/>
               <a:pPr/>
-              <a:t>2020/4/17</a:t>
+              <a:t>2020/6/29</a:t>
             </a:fld>
             <a:endParaRPr lang="zh-TW" altLang="en-US"/>
           </a:p>
@@ -4551,7 +4552,7 @@
             <a:fld id="{A4F910E6-8D00-4BAF-8C48-9688E0B449D3}" type="datetime1">
               <a:rPr lang="zh-TW" altLang="en-US" smtClean="0"/>
               <a:pPr/>
-              <a:t>2020/4/17</a:t>
+              <a:t>2020/6/29</a:t>
             </a:fld>
             <a:endParaRPr lang="zh-TW" altLang="en-US"/>
           </a:p>
@@ -5096,7 +5097,7 @@
             <a:fld id="{A4F910E6-8D00-4BAF-8C48-9688E0B449D3}" type="datetime1">
               <a:rPr lang="zh-TW" altLang="en-US" smtClean="0"/>
               <a:pPr/>
-              <a:t>2020/4/17</a:t>
+              <a:t>2020/6/29</a:t>
             </a:fld>
             <a:endParaRPr lang="zh-TW" altLang="en-US"/>
           </a:p>
@@ -5329,173 +5330,6 @@
         </p:nvSpPr>
         <p:spPr>
           <a:xfrm>
-            <a:off x="0" y="2130425"/>
-            <a:ext cx="9144000" cy="1470025"/>
-          </a:xfrm>
-          <a:solidFill>
-            <a:srgbClr val="00B0F0"/>
-          </a:solidFill>
-        </p:spPr>
-        <p:txBody>
-          <a:bodyPr>
-            <a:normAutofit/>
-          </a:bodyPr>
-          <a:lstStyle/>
-          <a:p>
-            <a:r>
-              <a:rPr lang="en-US" altLang="zh-TW" sz="4800" b="1" dirty="0">
-                <a:solidFill>
-                  <a:srgbClr val="FFFF00"/>
-                </a:solidFill>
-              </a:rPr>
-              <a:t>47.3 Summary of </a:t>
-            </a:r>
-            <a:r>
-              <a:rPr lang="en-US" altLang="zh-TW" sz="4800" b="1" dirty="0" err="1">
-                <a:solidFill>
-                  <a:srgbClr val="FFFF00"/>
-                </a:solidFill>
-              </a:rPr>
-              <a:t>useState</a:t>
-            </a:r>
-            <a:r>
-              <a:rPr lang="en-US" altLang="zh-TW" sz="4800" b="1" dirty="0">
-                <a:solidFill>
-                  <a:srgbClr val="FFFF00"/>
-                </a:solidFill>
-              </a:rPr>
-              <a:t> Object</a:t>
-            </a:r>
-            <a:endParaRPr lang="zh-TW" altLang="en-US" sz="4800" b="1" dirty="0">
-              <a:solidFill>
-                <a:srgbClr val="FFFF00"/>
-              </a:solidFill>
-            </a:endParaRPr>
-          </a:p>
-        </p:txBody>
-      </p:sp>
-      <p:sp>
-        <p:nvSpPr>
-          <p:cNvPr id="5" name="日期版面配置區 4"/>
-          <p:cNvSpPr>
-            <a:spLocks noGrp="1"/>
-          </p:cNvSpPr>
-          <p:nvPr>
-            <p:ph type="dt" sz="half" idx="10"/>
-          </p:nvPr>
-        </p:nvSpPr>
-        <p:spPr/>
-        <p:txBody>
-          <a:bodyPr/>
-          <a:lstStyle/>
-          <a:p>
-            <a:fld id="{C389EDC9-19E3-47AC-9C57-C6A24DEA81AD}" type="datetime1">
-              <a:rPr lang="zh-TW" altLang="en-US" smtClean="0"/>
-              <a:pPr/>
-              <a:t>2020/4/17</a:t>
-            </a:fld>
-            <a:endParaRPr lang="zh-TW" altLang="en-US"/>
-          </a:p>
-        </p:txBody>
-      </p:sp>
-      <p:sp>
-        <p:nvSpPr>
-          <p:cNvPr id="6" name="投影片編號版面配置區 5"/>
-          <p:cNvSpPr>
-            <a:spLocks noGrp="1"/>
-          </p:cNvSpPr>
-          <p:nvPr>
-            <p:ph type="sldNum" sz="quarter" idx="12"/>
-          </p:nvPr>
-        </p:nvSpPr>
-        <p:spPr/>
-        <p:txBody>
-          <a:bodyPr/>
-          <a:lstStyle/>
-          <a:p>
-            <a:fld id="{E4D7E63D-91F2-4366-A2C4-1B00C9E2590E}" type="slidenum">
-              <a:rPr lang="zh-TW" altLang="en-US" smtClean="0"/>
-              <a:pPr/>
-              <a:t>14</a:t>
-            </a:fld>
-            <a:endParaRPr lang="zh-TW" altLang="en-US"/>
-          </a:p>
-        </p:txBody>
-      </p:sp>
-      <p:pic>
-        <p:nvPicPr>
-          <p:cNvPr id="2050" name="Picture 2"/>
-          <p:cNvPicPr>
-            <a:picLocks noChangeAspect="1" noChangeArrowheads="1"/>
-          </p:cNvPicPr>
-          <p:nvPr/>
-        </p:nvPicPr>
-        <p:blipFill>
-          <a:blip r:embed="rId2" cstate="print"/>
-          <a:srcRect/>
-          <a:stretch>
-            <a:fillRect/>
-          </a:stretch>
-        </p:blipFill>
-        <p:spPr bwMode="auto">
-          <a:xfrm>
-            <a:off x="4283968" y="3717032"/>
-            <a:ext cx="713805" cy="644588"/>
-          </a:xfrm>
-          <a:prstGeom prst="rect">
-            <a:avLst/>
-          </a:prstGeom>
-          <a:noFill/>
-          <a:ln w="9525">
-            <a:noFill/>
-            <a:miter lim="800000"/>
-            <a:headEnd/>
-            <a:tailEnd/>
-          </a:ln>
-        </p:spPr>
-      </p:pic>
-    </p:spTree>
-    <p:extLst>
-      <p:ext uri="{BB962C8B-B14F-4D97-AF65-F5344CB8AC3E}">
-        <p14:creationId xmlns:p14="http://schemas.microsoft.com/office/powerpoint/2010/main" val="2583622411"/>
-      </p:ext>
-    </p:extLst>
-  </p:cSld>
-  <p:clrMapOvr>
-    <a:masterClrMapping/>
-  </p:clrMapOvr>
-</p:sld>
-</file>
-
-<file path=ppt/slides/slide15.xml><?xml version="1.0" encoding="utf-8"?>
-<p:sld xmlns:a="http://schemas.openxmlformats.org/drawingml/2006/main" xmlns:r="http://schemas.openxmlformats.org/officeDocument/2006/relationships" xmlns:p="http://schemas.openxmlformats.org/presentationml/2006/main">
-  <p:cSld>
-    <p:spTree>
-      <p:nvGrpSpPr>
-        <p:cNvPr id="1" name=""/>
-        <p:cNvGrpSpPr/>
-        <p:nvPr/>
-      </p:nvGrpSpPr>
-      <p:grpSpPr>
-        <a:xfrm>
-          <a:off x="0" y="0"/>
-          <a:ext cx="0" cy="0"/>
-          <a:chOff x="0" y="0"/>
-          <a:chExt cx="0" cy="0"/>
-        </a:xfrm>
-      </p:grpSpPr>
-      <p:sp>
-        <p:nvSpPr>
-          <p:cNvPr id="2" name="標題 1"/>
-          <p:cNvSpPr>
-            <a:spLocks noGrp="1"/>
-          </p:cNvSpPr>
-          <p:nvPr>
-            <p:ph type="ctrTitle"/>
-          </p:nvPr>
-        </p:nvSpPr>
-        <p:spPr>
-          <a:xfrm>
             <a:off x="0" y="1"/>
             <a:ext cx="9144000" cy="764704"/>
           </a:xfrm>
@@ -5539,7 +5373,7 @@
                   <a:srgbClr val="FFFF00"/>
                 </a:solidFill>
               </a:rPr>
-              <a:t>47.3 Summary of </a:t>
+              <a:t>47.2 Summary of </a:t>
             </a:r>
             <a:r>
               <a:rPr lang="en-US" altLang="zh-TW" b="1" dirty="0" err="1">
@@ -5870,7 +5704,7 @@
             <a:fld id="{A4F910E6-8D00-4BAF-8C48-9688E0B449D3}" type="datetime1">
               <a:rPr lang="zh-TW" altLang="en-US" smtClean="0"/>
               <a:pPr/>
-              <a:t>2020/4/17</a:t>
+              <a:t>2020/6/29</a:t>
             </a:fld>
             <a:endParaRPr lang="zh-TW" altLang="en-US"/>
           </a:p>
@@ -5892,6 +5726,125 @@
             <a:ext cx="2133600" cy="404246"/>
           </a:xfrm>
         </p:spPr>
+        <p:txBody>
+          <a:bodyPr/>
+          <a:lstStyle/>
+          <a:p>
+            <a:fld id="{E4D7E63D-91F2-4366-A2C4-1B00C9E2590E}" type="slidenum">
+              <a:rPr lang="zh-TW" altLang="en-US" smtClean="0"/>
+              <a:pPr/>
+              <a:t>14</a:t>
+            </a:fld>
+            <a:endParaRPr lang="zh-TW" altLang="en-US"/>
+          </a:p>
+        </p:txBody>
+      </p:sp>
+    </p:spTree>
+    <p:extLst>
+      <p:ext uri="{BB962C8B-B14F-4D97-AF65-F5344CB8AC3E}">
+        <p14:creationId xmlns:p14="http://schemas.microsoft.com/office/powerpoint/2010/main" val="2581509811"/>
+      </p:ext>
+    </p:extLst>
+  </p:cSld>
+  <p:clrMapOvr>
+    <a:masterClrMapping/>
+  </p:clrMapOvr>
+</p:sld>
+</file>
+
+<file path=ppt/slides/slide15.xml><?xml version="1.0" encoding="utf-8"?>
+<p:sld xmlns:a="http://schemas.openxmlformats.org/drawingml/2006/main" xmlns:r="http://schemas.openxmlformats.org/officeDocument/2006/relationships" xmlns:p="http://schemas.openxmlformats.org/presentationml/2006/main">
+  <p:cSld>
+    <p:spTree>
+      <p:nvGrpSpPr>
+        <p:cNvPr id="1" name=""/>
+        <p:cNvGrpSpPr/>
+        <p:nvPr/>
+      </p:nvGrpSpPr>
+      <p:grpSpPr>
+        <a:xfrm>
+          <a:off x="0" y="0"/>
+          <a:ext cx="0" cy="0"/>
+          <a:chOff x="0" y="0"/>
+          <a:chExt cx="0" cy="0"/>
+        </a:xfrm>
+      </p:grpSpPr>
+      <p:sp>
+        <p:nvSpPr>
+          <p:cNvPr id="2" name="標題 1"/>
+          <p:cNvSpPr>
+            <a:spLocks noGrp="1"/>
+          </p:cNvSpPr>
+          <p:nvPr>
+            <p:ph type="ctrTitle"/>
+          </p:nvPr>
+        </p:nvSpPr>
+        <p:spPr>
+          <a:xfrm>
+            <a:off x="0" y="2130425"/>
+            <a:ext cx="9144000" cy="1470025"/>
+          </a:xfrm>
+          <a:solidFill>
+            <a:srgbClr val="00B0F0"/>
+          </a:solidFill>
+        </p:spPr>
+        <p:txBody>
+          <a:bodyPr>
+            <a:normAutofit/>
+          </a:bodyPr>
+          <a:lstStyle/>
+          <a:p>
+            <a:r>
+              <a:rPr lang="en-US" altLang="zh-TW" sz="4800" b="1" dirty="0">
+                <a:solidFill>
+                  <a:srgbClr val="FFFF00"/>
+                </a:solidFill>
+              </a:rPr>
+              <a:t>47.3 Quiz</a:t>
+            </a:r>
+            <a:endParaRPr lang="zh-TW" altLang="en-US" sz="4800" b="1" dirty="0">
+              <a:solidFill>
+                <a:srgbClr val="FFFF00"/>
+              </a:solidFill>
+            </a:endParaRPr>
+          </a:p>
+        </p:txBody>
+      </p:sp>
+      <p:sp>
+        <p:nvSpPr>
+          <p:cNvPr id="5" name="日期版面配置區 4"/>
+          <p:cNvSpPr>
+            <a:spLocks noGrp="1"/>
+          </p:cNvSpPr>
+          <p:nvPr>
+            <p:ph type="dt" sz="half" idx="10"/>
+          </p:nvPr>
+        </p:nvSpPr>
+        <p:spPr/>
+        <p:txBody>
+          <a:bodyPr/>
+          <a:lstStyle/>
+          <a:p>
+            <a:fld id="{C389EDC9-19E3-47AC-9C57-C6A24DEA81AD}" type="datetime1">
+              <a:rPr lang="zh-TW" altLang="en-US" smtClean="0"/>
+              <a:pPr/>
+              <a:t>2020/6/29</a:t>
+            </a:fld>
+            <a:endParaRPr lang="zh-TW" altLang="en-US"/>
+          </a:p>
+        </p:txBody>
+      </p:sp>
+      <p:sp>
+        <p:nvSpPr>
+          <p:cNvPr id="6" name="投影片編號版面配置區 5"/>
+          <p:cNvSpPr>
+            <a:spLocks noGrp="1"/>
+          </p:cNvSpPr>
+          <p:nvPr>
+            <p:ph type="sldNum" sz="quarter" idx="12"/>
+          </p:nvPr>
+        </p:nvSpPr>
+        <p:spPr/>
         <p:txBody>
           <a:bodyPr/>
           <a:lstStyle/>
@@ -5905,10 +5858,42 @@
           </a:p>
         </p:txBody>
       </p:sp>
+      <p:pic>
+        <p:nvPicPr>
+          <p:cNvPr id="2050" name="Picture 2"/>
+          <p:cNvPicPr>
+            <a:picLocks noChangeAspect="1" noChangeArrowheads="1"/>
+          </p:cNvPicPr>
+          <p:nvPr/>
+        </p:nvPicPr>
+        <p:blipFill>
+          <a:blip r:embed="rId2" cstate="print"/>
+          <a:srcRect/>
+          <a:stretch>
+            <a:fillRect/>
+          </a:stretch>
+        </p:blipFill>
+        <p:spPr bwMode="auto">
+          <a:xfrm>
+            <a:off x="4283968" y="3717032"/>
+            <a:ext cx="713805" cy="644588"/>
+          </a:xfrm>
+          <a:prstGeom prst="rect">
+            <a:avLst/>
+          </a:prstGeom>
+          <a:noFill/>
+          <a:ln w="9525">
+            <a:noFill/>
+            <a:miter lim="800000"/>
+            <a:headEnd/>
+            <a:tailEnd/>
+          </a:ln>
+        </p:spPr>
+      </p:pic>
     </p:spTree>
     <p:extLst>
       <p:ext uri="{BB962C8B-B14F-4D97-AF65-F5344CB8AC3E}">
-        <p14:creationId xmlns:p14="http://schemas.microsoft.com/office/powerpoint/2010/main" val="2581509811"/>
+        <p14:creationId xmlns:p14="http://schemas.microsoft.com/office/powerpoint/2010/main" val="2583622411"/>
       </p:ext>
     </p:extLst>
   </p:cSld>
@@ -5947,143 +5932,6 @@
         </p:nvSpPr>
         <p:spPr>
           <a:xfrm>
-            <a:off x="0" y="2130425"/>
-            <a:ext cx="9144000" cy="1470025"/>
-          </a:xfrm>
-          <a:gradFill flip="none" rotWithShape="1">
-            <a:gsLst>
-              <a:gs pos="0">
-                <a:srgbClr val="00B0F0">
-                  <a:shade val="30000"/>
-                  <a:satMod val="115000"/>
-                </a:srgbClr>
-              </a:gs>
-              <a:gs pos="50000">
-                <a:srgbClr val="00B0F0">
-                  <a:shade val="67500"/>
-                  <a:satMod val="115000"/>
-                </a:srgbClr>
-              </a:gs>
-              <a:gs pos="100000">
-                <a:srgbClr val="00B0F0">
-                  <a:shade val="100000"/>
-                  <a:satMod val="115000"/>
-                </a:srgbClr>
-              </a:gs>
-            </a:gsLst>
-            <a:path path="circle">
-              <a:fillToRect t="100000" r="100000"/>
-            </a:path>
-            <a:tileRect l="-100000" b="-100000"/>
-          </a:gradFill>
-        </p:spPr>
-        <p:txBody>
-          <a:bodyPr>
-            <a:normAutofit/>
-          </a:bodyPr>
-          <a:lstStyle/>
-          <a:p>
-            <a:r>
-              <a:rPr lang="en-US" altLang="zh-TW" sz="6000" b="1" dirty="0">
-                <a:solidFill>
-                  <a:srgbClr val="FFFF00"/>
-                </a:solidFill>
-              </a:rPr>
-              <a:t>End of Chapter</a:t>
-            </a:r>
-            <a:endParaRPr lang="zh-TW" altLang="en-US" sz="6000" b="1" dirty="0">
-              <a:solidFill>
-                <a:srgbClr val="FFFF00"/>
-              </a:solidFill>
-            </a:endParaRPr>
-          </a:p>
-        </p:txBody>
-      </p:sp>
-      <p:sp>
-        <p:nvSpPr>
-          <p:cNvPr id="5" name="日期版面配置區 4"/>
-          <p:cNvSpPr>
-            <a:spLocks noGrp="1"/>
-          </p:cNvSpPr>
-          <p:nvPr>
-            <p:ph type="dt" sz="half" idx="10"/>
-          </p:nvPr>
-        </p:nvSpPr>
-        <p:spPr/>
-        <p:txBody>
-          <a:bodyPr/>
-          <a:lstStyle/>
-          <a:p>
-            <a:fld id="{4E46BE27-E923-4EC2-B046-3272AE2A3E5C}" type="datetime1">
-              <a:rPr lang="zh-TW" altLang="en-US" smtClean="0"/>
-              <a:pPr/>
-              <a:t>2020/4/17</a:t>
-            </a:fld>
-            <a:endParaRPr lang="zh-TW" altLang="en-US"/>
-          </a:p>
-        </p:txBody>
-      </p:sp>
-      <p:sp>
-        <p:nvSpPr>
-          <p:cNvPr id="6" name="投影片編號版面配置區 5"/>
-          <p:cNvSpPr>
-            <a:spLocks noGrp="1"/>
-          </p:cNvSpPr>
-          <p:nvPr>
-            <p:ph type="sldNum" sz="quarter" idx="12"/>
-          </p:nvPr>
-        </p:nvSpPr>
-        <p:spPr/>
-        <p:txBody>
-          <a:bodyPr/>
-          <a:lstStyle/>
-          <a:p>
-            <a:fld id="{E4D7E63D-91F2-4366-A2C4-1B00C9E2590E}" type="slidenum">
-              <a:rPr lang="zh-TW" altLang="en-US" smtClean="0"/>
-              <a:pPr/>
-              <a:t>16</a:t>
-            </a:fld>
-            <a:endParaRPr lang="zh-TW" altLang="en-US"/>
-          </a:p>
-        </p:txBody>
-      </p:sp>
-    </p:spTree>
-  </p:cSld>
-  <p:clrMapOvr>
-    <a:masterClrMapping/>
-  </p:clrMapOvr>
-</p:sld>
-</file>
-
-<file path=ppt/slides/slide2.xml><?xml version="1.0" encoding="utf-8"?>
-<p:sld xmlns:a="http://schemas.openxmlformats.org/drawingml/2006/main" xmlns:r="http://schemas.openxmlformats.org/officeDocument/2006/relationships" xmlns:p="http://schemas.openxmlformats.org/presentationml/2006/main">
-  <p:cSld>
-    <p:spTree>
-      <p:nvGrpSpPr>
-        <p:cNvPr id="1" name=""/>
-        <p:cNvGrpSpPr/>
-        <p:nvPr/>
-      </p:nvGrpSpPr>
-      <p:grpSpPr>
-        <a:xfrm>
-          <a:off x="0" y="0"/>
-          <a:ext cx="0" cy="0"/>
-          <a:chOff x="0" y="0"/>
-          <a:chExt cx="0" cy="0"/>
-        </a:xfrm>
-      </p:grpSpPr>
-      <p:sp>
-        <p:nvSpPr>
-          <p:cNvPr id="2" name="標題 1"/>
-          <p:cNvSpPr>
-            <a:spLocks noGrp="1"/>
-          </p:cNvSpPr>
-          <p:nvPr>
-            <p:ph type="ctrTitle"/>
-          </p:nvPr>
-        </p:nvSpPr>
-        <p:spPr>
-          <a:xfrm>
             <a:off x="0" y="1"/>
             <a:ext cx="9144000" cy="764704"/>
           </a:xfrm>
@@ -6127,23 +5975,7 @@
                   <a:srgbClr val="FFFF00"/>
                 </a:solidFill>
               </a:rPr>
-              <a:t>47 </a:t>
-            </a:r>
-            <a:r>
-              <a:rPr lang="en-US" altLang="zh-TW" b="1" dirty="0" err="1">
-                <a:solidFill>
-                  <a:srgbClr val="FFFF00"/>
-                </a:solidFill>
-              </a:rPr>
-              <a:t>useState</a:t>
-            </a:r>
-            <a:r>
-              <a:rPr lang="en-US" altLang="zh-TW" b="1" dirty="0">
-                <a:solidFill>
-                  <a:srgbClr val="FFFF00"/>
-                </a:solidFill>
-              </a:rPr>
-              <a:t> with Object</a:t>
+              <a:t>47.3 Quiz</a:t>
             </a:r>
             <a:endParaRPr lang="zh-TW" altLang="en-US" b="1" dirty="0">
               <a:solidFill>
@@ -6165,8 +5997,8 @@
         </p:nvSpPr>
         <p:spPr>
           <a:xfrm>
-            <a:off x="467544" y="1340768"/>
-            <a:ext cx="8352928" cy="1422812"/>
+            <a:off x="457200" y="1384778"/>
+            <a:ext cx="8229600" cy="3052334"/>
           </a:xfrm>
           <a:ln>
             <a:solidFill>
@@ -6189,22 +6021,13 @@
               <a:buChar char="u"/>
             </a:pPr>
             <a:r>
-              <a:rPr lang="en-US" altLang="zh-TW" sz="1800" b="1" dirty="0" err="1">
-                <a:solidFill>
-                  <a:schemeClr val="tx1"/>
-                </a:solidFill>
-                <a:latin typeface="+mj-lt"/>
-              </a:rPr>
-              <a:t>useState</a:t>
-            </a:r>
-            <a:r>
               <a:rPr lang="en-US" altLang="zh-TW" sz="1800" b="1" dirty="0">
                 <a:solidFill>
                   <a:schemeClr val="tx1"/>
                 </a:solidFill>
                 <a:latin typeface="+mj-lt"/>
               </a:rPr>
-              <a:t> with Object</a:t>
+              <a:t>Quiz</a:t>
             </a:r>
           </a:p>
           <a:p>
@@ -6223,7 +6046,7 @@
                 </a:solidFill>
                 <a:latin typeface="+mj-lt"/>
               </a:rPr>
-              <a:t>We discusses another example of </a:t>
+              <a:t>1. How to set the variable </a:t>
             </a:r>
             <a:r>
               <a:rPr lang="en-US" altLang="zh-TW" sz="1800" b="1" dirty="0" err="1">
@@ -6232,7 +6055,7 @@
                 </a:solidFill>
                 <a:latin typeface="+mj-lt"/>
               </a:rPr>
-              <a:t>useState</a:t>
+              <a:t>firstName</a:t>
             </a:r>
             <a:r>
               <a:rPr lang="en-US" altLang="zh-TW" sz="1800" b="1" dirty="0">
@@ -6241,7 +6064,25 @@
                 </a:solidFill>
                 <a:latin typeface="+mj-lt"/>
               </a:rPr>
-              <a:t> with object.</a:t>
+              <a:t>, </a:t>
+            </a:r>
+            <a:r>
+              <a:rPr lang="en-US" altLang="zh-TW" sz="1800" b="1" dirty="0" err="1">
+                <a:solidFill>
+                  <a:schemeClr val="tx1"/>
+                </a:solidFill>
+                <a:latin typeface="+mj-lt"/>
+              </a:rPr>
+              <a:t>lastName</a:t>
+            </a:r>
+            <a:r>
+              <a:rPr lang="en-US" altLang="zh-TW" sz="1800" b="1" dirty="0">
+                <a:solidFill>
+                  <a:schemeClr val="tx1"/>
+                </a:solidFill>
+                <a:latin typeface="+mj-lt"/>
+              </a:rPr>
+              <a:t>?</a:t>
             </a:r>
           </a:p>
           <a:p>
@@ -6260,7 +6101,7 @@
                 </a:solidFill>
                 <a:latin typeface="+mj-lt"/>
               </a:rPr>
-              <a:t>We use the object as the state variable of Hooks.</a:t>
+              <a:t>Ans:</a:t>
             </a:r>
           </a:p>
           <a:p>
@@ -6279,7 +6120,26 @@
                 </a:solidFill>
                 <a:latin typeface="+mj-lt"/>
               </a:rPr>
-              <a:t>Import Functional Component </a:t>
+              <a:t>We can setup variable by object.</a:t>
+            </a:r>
+          </a:p>
+          <a:p>
+            <a:pPr marL="342900" indent="-342900" algn="l">
+              <a:buClr>
+                <a:srgbClr val="0070C0"/>
+              </a:buClr>
+              <a:buSzPct val="80000"/>
+              <a:buFont typeface="Wingdings" pitchFamily="2" charset="2"/>
+              <a:buChar char="u"/>
+            </a:pPr>
+            <a:r>
+              <a:rPr lang="en-US" altLang="zh-TW" sz="1800" b="1" dirty="0">
+                <a:solidFill>
+                  <a:schemeClr val="tx1"/>
+                </a:solidFill>
+                <a:latin typeface="+mj-lt"/>
+              </a:rPr>
+              <a:t>const [name, </a:t>
             </a:r>
             <a:r>
               <a:rPr lang="en-US" altLang="zh-TW" sz="1800" b="1" dirty="0" err="1">
@@ -6288,7 +6148,190 @@
                 </a:solidFill>
                 <a:latin typeface="+mj-lt"/>
               </a:rPr>
-              <a:t>HookCounterThree</a:t>
+              <a:t>setName</a:t>
+            </a:r>
+            <a:r>
+              <a:rPr lang="en-US" altLang="zh-TW" sz="1800" b="1" dirty="0">
+                <a:solidFill>
+                  <a:schemeClr val="tx1"/>
+                </a:solidFill>
+                <a:latin typeface="+mj-lt"/>
+              </a:rPr>
+              <a:t>] = </a:t>
+            </a:r>
+            <a:r>
+              <a:rPr lang="en-US" altLang="zh-TW" sz="1800" b="1" dirty="0" err="1">
+                <a:solidFill>
+                  <a:schemeClr val="tx1"/>
+                </a:solidFill>
+                <a:latin typeface="+mj-lt"/>
+              </a:rPr>
+              <a:t>useState</a:t>
+            </a:r>
+            <a:r>
+              <a:rPr lang="en-US" altLang="zh-TW" sz="1800" b="1" dirty="0">
+                <a:solidFill>
+                  <a:schemeClr val="tx1"/>
+                </a:solidFill>
+                <a:latin typeface="+mj-lt"/>
+              </a:rPr>
+              <a:t> ([</a:t>
+            </a:r>
+            <a:r>
+              <a:rPr lang="en-US" altLang="zh-TW" sz="1800" b="1" dirty="0" err="1">
+                <a:solidFill>
+                  <a:schemeClr val="tx1"/>
+                </a:solidFill>
+                <a:latin typeface="+mj-lt"/>
+              </a:rPr>
+              <a:t>firstName</a:t>
+            </a:r>
+            <a:r>
+              <a:rPr lang="en-US" altLang="zh-TW" sz="1800" b="1" dirty="0">
+                <a:solidFill>
+                  <a:schemeClr val="tx1"/>
+                </a:solidFill>
+                <a:latin typeface="+mj-lt"/>
+              </a:rPr>
+              <a:t>: ‘’, </a:t>
+            </a:r>
+            <a:r>
+              <a:rPr lang="en-US" altLang="zh-TW" sz="1800" b="1" dirty="0" err="1">
+                <a:solidFill>
+                  <a:schemeClr val="tx1"/>
+                </a:solidFill>
+                <a:latin typeface="+mj-lt"/>
+              </a:rPr>
+              <a:t>lastName</a:t>
+            </a:r>
+            <a:r>
+              <a:rPr lang="en-US" altLang="zh-TW" sz="1800" b="1" dirty="0">
+                <a:solidFill>
+                  <a:schemeClr val="tx1"/>
+                </a:solidFill>
+                <a:latin typeface="+mj-lt"/>
+              </a:rPr>
+              <a:t>: ‘’})</a:t>
+            </a:r>
+          </a:p>
+          <a:p>
+            <a:pPr marL="342900" indent="-342900" algn="l">
+              <a:buClr>
+                <a:srgbClr val="0070C0"/>
+              </a:buClr>
+              <a:buSzPct val="80000"/>
+              <a:buFont typeface="Wingdings" pitchFamily="2" charset="2"/>
+              <a:buChar char="u"/>
+            </a:pPr>
+            <a:r>
+              <a:rPr lang="en-US" altLang="zh-TW" sz="1800" b="1" dirty="0">
+                <a:solidFill>
+                  <a:schemeClr val="tx1"/>
+                </a:solidFill>
+                <a:latin typeface="+mj-lt"/>
+              </a:rPr>
+              <a:t>Note: name is the object. How to set the object name?</a:t>
+            </a:r>
+          </a:p>
+          <a:p>
+            <a:pPr marL="342900" indent="-342900" algn="l">
+              <a:buClr>
+                <a:srgbClr val="0070C0"/>
+              </a:buClr>
+              <a:buSzPct val="80000"/>
+              <a:buFont typeface="Wingdings" pitchFamily="2" charset="2"/>
+              <a:buChar char="u"/>
+            </a:pPr>
+            <a:r>
+              <a:rPr lang="en-US" altLang="zh-TW" sz="1800" b="1" dirty="0" err="1">
+                <a:solidFill>
+                  <a:schemeClr val="tx1"/>
+                </a:solidFill>
+                <a:latin typeface="+mj-lt"/>
+              </a:rPr>
+              <a:t>setName</a:t>
+            </a:r>
+            <a:r>
+              <a:rPr lang="en-US" altLang="zh-TW" sz="1800" b="1" dirty="0">
+                <a:solidFill>
+                  <a:schemeClr val="tx1"/>
+                </a:solidFill>
+                <a:latin typeface="+mj-lt"/>
+              </a:rPr>
+              <a:t> ({ </a:t>
+            </a:r>
+            <a:r>
+              <a:rPr lang="en-US" altLang="zh-TW" sz="1800" b="1" dirty="0" err="1">
+                <a:solidFill>
+                  <a:schemeClr val="tx1"/>
+                </a:solidFill>
+                <a:latin typeface="+mj-lt"/>
+              </a:rPr>
+              <a:t>firstName</a:t>
+            </a:r>
+            <a:r>
+              <a:rPr lang="en-US" altLang="zh-TW" sz="1800" b="1" dirty="0">
+                <a:solidFill>
+                  <a:schemeClr val="tx1"/>
+                </a:solidFill>
+                <a:latin typeface="+mj-lt"/>
+              </a:rPr>
+              <a:t>: ‘Peter’ })</a:t>
+            </a:r>
+          </a:p>
+          <a:p>
+            <a:pPr marL="342900" indent="-342900" algn="l">
+              <a:buClr>
+                <a:srgbClr val="0070C0"/>
+              </a:buClr>
+              <a:buSzPct val="80000"/>
+              <a:buFont typeface="Wingdings" pitchFamily="2" charset="2"/>
+              <a:buChar char="u"/>
+            </a:pPr>
+            <a:r>
+              <a:rPr lang="en-US" altLang="zh-TW" sz="1800" b="1" dirty="0" err="1">
+                <a:solidFill>
+                  <a:schemeClr val="tx1"/>
+                </a:solidFill>
+                <a:latin typeface="+mj-lt"/>
+              </a:rPr>
+              <a:t>setName</a:t>
+            </a:r>
+            <a:r>
+              <a:rPr lang="en-US" altLang="zh-TW" sz="1800" b="1" dirty="0">
+                <a:solidFill>
+                  <a:schemeClr val="tx1"/>
+                </a:solidFill>
+                <a:latin typeface="+mj-lt"/>
+              </a:rPr>
+              <a:t> ({ </a:t>
+            </a:r>
+            <a:r>
+              <a:rPr lang="en-US" altLang="zh-TW" sz="1800" b="1" dirty="0" err="1">
+                <a:solidFill>
+                  <a:schemeClr val="tx1"/>
+                </a:solidFill>
+                <a:latin typeface="+mj-lt"/>
+              </a:rPr>
+              <a:t>lastName</a:t>
+            </a:r>
+            <a:r>
+              <a:rPr lang="en-US" altLang="zh-TW" sz="1800" b="1" dirty="0">
+                <a:solidFill>
+                  <a:schemeClr val="tx1"/>
+                </a:solidFill>
+                <a:latin typeface="+mj-lt"/>
+              </a:rPr>
+              <a:t>: ‘</a:t>
+            </a:r>
+            <a:r>
+              <a:rPr lang="en-US" altLang="zh-TW" sz="1800" b="1">
+                <a:solidFill>
+                  <a:schemeClr val="tx1"/>
+                </a:solidFill>
+                <a:latin typeface="+mj-lt"/>
+              </a:rPr>
+              <a:t>Chen’ })</a:t>
             </a:r>
             <a:endParaRPr lang="en-US" altLang="zh-TW" sz="1800" b="1" dirty="0">
               <a:solidFill>
@@ -6296,6 +6339,88 @@
               </a:solidFill>
               <a:latin typeface="+mj-lt"/>
             </a:endParaRPr>
+          </a:p>
+          <a:p>
+            <a:pPr marL="342900" indent="-342900" algn="l">
+              <a:buClr>
+                <a:srgbClr val="0070C0"/>
+              </a:buClr>
+              <a:buSzPct val="80000"/>
+              <a:buFont typeface="Wingdings" pitchFamily="2" charset="2"/>
+              <a:buChar char="u"/>
+            </a:pPr>
+            <a:r>
+              <a:rPr lang="en-US" altLang="zh-TW" sz="1800" b="1" dirty="0" err="1">
+                <a:solidFill>
+                  <a:schemeClr val="tx1"/>
+                </a:solidFill>
+                <a:latin typeface="+mj-lt"/>
+              </a:rPr>
+              <a:t>onChange</a:t>
+            </a:r>
+            <a:r>
+              <a:rPr lang="en-US" altLang="zh-TW" sz="1800" b="1" dirty="0">
+                <a:solidFill>
+                  <a:schemeClr val="tx1"/>
+                </a:solidFill>
+                <a:latin typeface="+mj-lt"/>
+              </a:rPr>
+              <a:t> = { e =&gt; </a:t>
+            </a:r>
+            <a:r>
+              <a:rPr lang="en-US" altLang="zh-TW" sz="1800" b="1" dirty="0" err="1">
+                <a:solidFill>
+                  <a:schemeClr val="tx1"/>
+                </a:solidFill>
+                <a:latin typeface="+mj-lt"/>
+              </a:rPr>
+              <a:t>setName</a:t>
+            </a:r>
+            <a:r>
+              <a:rPr lang="en-US" altLang="zh-TW" sz="1800" b="1" dirty="0">
+                <a:solidFill>
+                  <a:schemeClr val="tx1"/>
+                </a:solidFill>
+                <a:latin typeface="+mj-lt"/>
+              </a:rPr>
+              <a:t> ( { </a:t>
+            </a:r>
+            <a:r>
+              <a:rPr lang="en-US" altLang="zh-TW" sz="1800" b="1" dirty="0" err="1">
+                <a:solidFill>
+                  <a:schemeClr val="tx1"/>
+                </a:solidFill>
+                <a:latin typeface="+mj-lt"/>
+              </a:rPr>
+              <a:t>firstName</a:t>
+            </a:r>
+            <a:r>
+              <a:rPr lang="en-US" altLang="zh-TW" sz="1800" b="1" dirty="0">
+                <a:solidFill>
+                  <a:schemeClr val="tx1"/>
+                </a:solidFill>
+                <a:latin typeface="+mj-lt"/>
+              </a:rPr>
+              <a:t>: </a:t>
+            </a:r>
+            <a:r>
+              <a:rPr lang="en-US" altLang="zh-TW" sz="1800" b="1" dirty="0" err="1">
+                <a:solidFill>
+                  <a:schemeClr val="tx1"/>
+                </a:solidFill>
+                <a:latin typeface="+mj-lt"/>
+              </a:rPr>
+              <a:t>e.target.value</a:t>
+            </a:r>
+            <a:r>
+              <a:rPr lang="en-US" altLang="zh-TW" sz="1800" b="1" dirty="0">
+                <a:solidFill>
+                  <a:schemeClr val="tx1"/>
+                </a:solidFill>
+                <a:latin typeface="+mj-lt"/>
+              </a:rPr>
+              <a:t> })}</a:t>
+            </a:r>
           </a:p>
         </p:txBody>
       </p:sp>
@@ -6381,7 +6506,518 @@
             <a:fld id="{A4F910E6-8D00-4BAF-8C48-9688E0B449D3}" type="datetime1">
               <a:rPr lang="zh-TW" altLang="en-US" smtClean="0"/>
               <a:pPr/>
-              <a:t>2020/4/17</a:t>
+              <a:t>2020/6/29</a:t>
+            </a:fld>
+            <a:endParaRPr lang="zh-TW" altLang="en-US"/>
+          </a:p>
+        </p:txBody>
+      </p:sp>
+      <p:sp>
+        <p:nvSpPr>
+          <p:cNvPr id="6" name="投影片編號版面配置區 5"/>
+          <p:cNvSpPr>
+            <a:spLocks noGrp="1"/>
+          </p:cNvSpPr>
+          <p:nvPr>
+            <p:ph type="sldNum" sz="quarter" idx="12"/>
+          </p:nvPr>
+        </p:nvSpPr>
+        <p:spPr>
+          <a:xfrm>
+            <a:off x="6553200" y="6356350"/>
+            <a:ext cx="2133600" cy="404246"/>
+          </a:xfrm>
+        </p:spPr>
+        <p:txBody>
+          <a:bodyPr/>
+          <a:lstStyle/>
+          <a:p>
+            <a:fld id="{E4D7E63D-91F2-4366-A2C4-1B00C9E2590E}" type="slidenum">
+              <a:rPr lang="zh-TW" altLang="en-US" smtClean="0"/>
+              <a:pPr/>
+              <a:t>16</a:t>
+            </a:fld>
+            <a:endParaRPr lang="zh-TW" altLang="en-US"/>
+          </a:p>
+        </p:txBody>
+      </p:sp>
+    </p:spTree>
+    <p:extLst>
+      <p:ext uri="{BB962C8B-B14F-4D97-AF65-F5344CB8AC3E}">
+        <p14:creationId xmlns:p14="http://schemas.microsoft.com/office/powerpoint/2010/main" val="2905629482"/>
+      </p:ext>
+    </p:extLst>
+  </p:cSld>
+  <p:clrMapOvr>
+    <a:masterClrMapping/>
+  </p:clrMapOvr>
+</p:sld>
+</file>
+
+<file path=ppt/slides/slide17.xml><?xml version="1.0" encoding="utf-8"?>
+<p:sld xmlns:a="http://schemas.openxmlformats.org/drawingml/2006/main" xmlns:r="http://schemas.openxmlformats.org/officeDocument/2006/relationships" xmlns:p="http://schemas.openxmlformats.org/presentationml/2006/main">
+  <p:cSld>
+    <p:spTree>
+      <p:nvGrpSpPr>
+        <p:cNvPr id="1" name=""/>
+        <p:cNvGrpSpPr/>
+        <p:nvPr/>
+      </p:nvGrpSpPr>
+      <p:grpSpPr>
+        <a:xfrm>
+          <a:off x="0" y="0"/>
+          <a:ext cx="0" cy="0"/>
+          <a:chOff x="0" y="0"/>
+          <a:chExt cx="0" cy="0"/>
+        </a:xfrm>
+      </p:grpSpPr>
+      <p:sp>
+        <p:nvSpPr>
+          <p:cNvPr id="2" name="標題 1"/>
+          <p:cNvSpPr>
+            <a:spLocks noGrp="1"/>
+          </p:cNvSpPr>
+          <p:nvPr>
+            <p:ph type="ctrTitle"/>
+          </p:nvPr>
+        </p:nvSpPr>
+        <p:spPr>
+          <a:xfrm>
+            <a:off x="0" y="2130425"/>
+            <a:ext cx="9144000" cy="1470025"/>
+          </a:xfrm>
+          <a:gradFill flip="none" rotWithShape="1">
+            <a:gsLst>
+              <a:gs pos="0">
+                <a:srgbClr val="00B0F0">
+                  <a:shade val="30000"/>
+                  <a:satMod val="115000"/>
+                </a:srgbClr>
+              </a:gs>
+              <a:gs pos="50000">
+                <a:srgbClr val="00B0F0">
+                  <a:shade val="67500"/>
+                  <a:satMod val="115000"/>
+                </a:srgbClr>
+              </a:gs>
+              <a:gs pos="100000">
+                <a:srgbClr val="00B0F0">
+                  <a:shade val="100000"/>
+                  <a:satMod val="115000"/>
+                </a:srgbClr>
+              </a:gs>
+            </a:gsLst>
+            <a:path path="circle">
+              <a:fillToRect t="100000" r="100000"/>
+            </a:path>
+            <a:tileRect l="-100000" b="-100000"/>
+          </a:gradFill>
+        </p:spPr>
+        <p:txBody>
+          <a:bodyPr>
+            <a:normAutofit/>
+          </a:bodyPr>
+          <a:lstStyle/>
+          <a:p>
+            <a:r>
+              <a:rPr lang="en-US" altLang="zh-TW" sz="6000" b="1" dirty="0">
+                <a:solidFill>
+                  <a:srgbClr val="FFFF00"/>
+                </a:solidFill>
+              </a:rPr>
+              <a:t>End of Chapter</a:t>
+            </a:r>
+            <a:endParaRPr lang="zh-TW" altLang="en-US" sz="6000" b="1" dirty="0">
+              <a:solidFill>
+                <a:srgbClr val="FFFF00"/>
+              </a:solidFill>
+            </a:endParaRPr>
+          </a:p>
+        </p:txBody>
+      </p:sp>
+      <p:sp>
+        <p:nvSpPr>
+          <p:cNvPr id="5" name="日期版面配置區 4"/>
+          <p:cNvSpPr>
+            <a:spLocks noGrp="1"/>
+          </p:cNvSpPr>
+          <p:nvPr>
+            <p:ph type="dt" sz="half" idx="10"/>
+          </p:nvPr>
+        </p:nvSpPr>
+        <p:spPr/>
+        <p:txBody>
+          <a:bodyPr/>
+          <a:lstStyle/>
+          <a:p>
+            <a:fld id="{4E46BE27-E923-4EC2-B046-3272AE2A3E5C}" type="datetime1">
+              <a:rPr lang="zh-TW" altLang="en-US" smtClean="0"/>
+              <a:pPr/>
+              <a:t>2020/6/29</a:t>
+            </a:fld>
+            <a:endParaRPr lang="zh-TW" altLang="en-US"/>
+          </a:p>
+        </p:txBody>
+      </p:sp>
+      <p:sp>
+        <p:nvSpPr>
+          <p:cNvPr id="6" name="投影片編號版面配置區 5"/>
+          <p:cNvSpPr>
+            <a:spLocks noGrp="1"/>
+          </p:cNvSpPr>
+          <p:nvPr>
+            <p:ph type="sldNum" sz="quarter" idx="12"/>
+          </p:nvPr>
+        </p:nvSpPr>
+        <p:spPr/>
+        <p:txBody>
+          <a:bodyPr/>
+          <a:lstStyle/>
+          <a:p>
+            <a:fld id="{E4D7E63D-91F2-4366-A2C4-1B00C9E2590E}" type="slidenum">
+              <a:rPr lang="zh-TW" altLang="en-US" smtClean="0"/>
+              <a:pPr/>
+              <a:t>17</a:t>
+            </a:fld>
+            <a:endParaRPr lang="zh-TW" altLang="en-US"/>
+          </a:p>
+        </p:txBody>
+      </p:sp>
+    </p:spTree>
+  </p:cSld>
+  <p:clrMapOvr>
+    <a:masterClrMapping/>
+  </p:clrMapOvr>
+</p:sld>
+</file>
+
+<file path=ppt/slides/slide2.xml><?xml version="1.0" encoding="utf-8"?>
+<p:sld xmlns:a="http://schemas.openxmlformats.org/drawingml/2006/main" xmlns:r="http://schemas.openxmlformats.org/officeDocument/2006/relationships" xmlns:p="http://schemas.openxmlformats.org/presentationml/2006/main">
+  <p:cSld>
+    <p:spTree>
+      <p:nvGrpSpPr>
+        <p:cNvPr id="1" name=""/>
+        <p:cNvGrpSpPr/>
+        <p:nvPr/>
+      </p:nvGrpSpPr>
+      <p:grpSpPr>
+        <a:xfrm>
+          <a:off x="0" y="0"/>
+          <a:ext cx="0" cy="0"/>
+          <a:chOff x="0" y="0"/>
+          <a:chExt cx="0" cy="0"/>
+        </a:xfrm>
+      </p:grpSpPr>
+      <p:sp>
+        <p:nvSpPr>
+          <p:cNvPr id="2" name="標題 1"/>
+          <p:cNvSpPr>
+            <a:spLocks noGrp="1"/>
+          </p:cNvSpPr>
+          <p:nvPr>
+            <p:ph type="ctrTitle"/>
+          </p:nvPr>
+        </p:nvSpPr>
+        <p:spPr>
+          <a:xfrm>
+            <a:off x="0" y="1"/>
+            <a:ext cx="9144000" cy="764704"/>
+          </a:xfrm>
+          <a:gradFill flip="none" rotWithShape="1">
+            <a:gsLst>
+              <a:gs pos="0">
+                <a:srgbClr val="C00000">
+                  <a:shade val="30000"/>
+                  <a:satMod val="115000"/>
+                </a:srgbClr>
+              </a:gs>
+              <a:gs pos="50000">
+                <a:srgbClr val="C00000">
+                  <a:shade val="67500"/>
+                  <a:satMod val="115000"/>
+                </a:srgbClr>
+              </a:gs>
+              <a:gs pos="100000">
+                <a:srgbClr val="C00000">
+                  <a:shade val="100000"/>
+                  <a:satMod val="115000"/>
+                </a:srgbClr>
+              </a:gs>
+            </a:gsLst>
+            <a:path path="circle">
+              <a:fillToRect t="100000" r="100000"/>
+            </a:path>
+            <a:tileRect l="-100000" b="-100000"/>
+          </a:gradFill>
+        </p:spPr>
+        <p:txBody>
+          <a:bodyPr>
+            <a:normAutofit/>
+          </a:bodyPr>
+          <a:lstStyle/>
+          <a:p>
+            <a:pPr algn="l"/>
+            <a:r>
+              <a:rPr lang="en-US" altLang="zh-TW" b="1" dirty="0">
+                <a:solidFill>
+                  <a:srgbClr val="FFFF00"/>
+                </a:solidFill>
+              </a:rPr>
+              <a:t>47 </a:t>
+            </a:r>
+            <a:r>
+              <a:rPr lang="en-US" altLang="zh-TW" b="1" dirty="0" err="1">
+                <a:solidFill>
+                  <a:srgbClr val="FFFF00"/>
+                </a:solidFill>
+              </a:rPr>
+              <a:t>useState</a:t>
+            </a:r>
+            <a:r>
+              <a:rPr lang="en-US" altLang="zh-TW" b="1" dirty="0">
+                <a:solidFill>
+                  <a:srgbClr val="FFFF00"/>
+                </a:solidFill>
+              </a:rPr>
+              <a:t> with Object</a:t>
+            </a:r>
+            <a:endParaRPr lang="zh-TW" altLang="en-US" b="1" dirty="0">
+              <a:solidFill>
+                <a:srgbClr val="FFFF00"/>
+              </a:solidFill>
+            </a:endParaRPr>
+          </a:p>
+        </p:txBody>
+      </p:sp>
+      <p:sp>
+        <p:nvSpPr>
+          <p:cNvPr id="3" name="副標題 2"/>
+          <p:cNvSpPr>
+            <a:spLocks noGrp="1"/>
+          </p:cNvSpPr>
+          <p:nvPr>
+            <p:ph type="subTitle" idx="1"/>
+          </p:nvPr>
+        </p:nvSpPr>
+        <p:spPr>
+          <a:xfrm>
+            <a:off x="467544" y="1340768"/>
+            <a:ext cx="8352928" cy="1422812"/>
+          </a:xfrm>
+          <a:ln>
+            <a:solidFill>
+              <a:srgbClr val="C00000"/>
+            </a:solidFill>
+          </a:ln>
+        </p:spPr>
+        <p:txBody>
+          <a:bodyPr>
+            <a:noAutofit/>
+          </a:bodyPr>
+          <a:lstStyle/>
+          <a:p>
+            <a:pPr marL="342900" indent="-342900" algn="l">
+              <a:buClr>
+                <a:srgbClr val="0070C0"/>
+              </a:buClr>
+              <a:buSzPct val="80000"/>
+              <a:buFont typeface="Wingdings" pitchFamily="2" charset="2"/>
+              <a:buChar char="u"/>
+            </a:pPr>
+            <a:r>
+              <a:rPr lang="en-US" altLang="zh-TW" sz="1800" b="1" dirty="0" err="1">
+                <a:solidFill>
+                  <a:schemeClr val="tx1"/>
+                </a:solidFill>
+                <a:latin typeface="+mj-lt"/>
+              </a:rPr>
+              <a:t>useState</a:t>
+            </a:r>
+            <a:r>
+              <a:rPr lang="en-US" altLang="zh-TW" sz="1800" b="1" dirty="0">
+                <a:solidFill>
+                  <a:schemeClr val="tx1"/>
+                </a:solidFill>
+                <a:latin typeface="+mj-lt"/>
+              </a:rPr>
+              <a:t> with Object</a:t>
+            </a:r>
+          </a:p>
+          <a:p>
+            <a:pPr marL="342900" indent="-342900" algn="l">
+              <a:buClr>
+                <a:srgbClr val="0070C0"/>
+              </a:buClr>
+              <a:buSzPct val="80000"/>
+              <a:buFont typeface="Wingdings" pitchFamily="2" charset="2"/>
+              <a:buChar char="u"/>
+            </a:pPr>
+            <a:r>
+              <a:rPr lang="en-US" altLang="zh-TW" sz="1800" b="1" dirty="0">
+                <a:solidFill>
+                  <a:schemeClr val="tx1"/>
+                </a:solidFill>
+                <a:latin typeface="+mj-lt"/>
+              </a:rPr>
+              <a:t>We discusses another example of </a:t>
+            </a:r>
+            <a:r>
+              <a:rPr lang="en-US" altLang="zh-TW" sz="1800" b="1" dirty="0" err="1">
+                <a:solidFill>
+                  <a:schemeClr val="tx1"/>
+                </a:solidFill>
+                <a:latin typeface="+mj-lt"/>
+              </a:rPr>
+              <a:t>useState</a:t>
+            </a:r>
+            <a:r>
+              <a:rPr lang="en-US" altLang="zh-TW" sz="1800" b="1" dirty="0">
+                <a:solidFill>
+                  <a:schemeClr val="tx1"/>
+                </a:solidFill>
+                <a:latin typeface="+mj-lt"/>
+              </a:rPr>
+              <a:t> with object.</a:t>
+            </a:r>
+          </a:p>
+          <a:p>
+            <a:pPr marL="342900" indent="-342900" algn="l">
+              <a:buClr>
+                <a:srgbClr val="0070C0"/>
+              </a:buClr>
+              <a:buSzPct val="80000"/>
+              <a:buFont typeface="Wingdings" pitchFamily="2" charset="2"/>
+              <a:buChar char="u"/>
+            </a:pPr>
+            <a:r>
+              <a:rPr lang="en-US" altLang="zh-TW" sz="1800" b="1" dirty="0">
+                <a:solidFill>
+                  <a:schemeClr val="tx1"/>
+                </a:solidFill>
+                <a:latin typeface="+mj-lt"/>
+              </a:rPr>
+              <a:t>We use the object as the state variable of Hooks.</a:t>
+            </a:r>
+          </a:p>
+          <a:p>
+            <a:pPr marL="342900" indent="-342900" algn="l">
+              <a:buClr>
+                <a:srgbClr val="0070C0"/>
+              </a:buClr>
+              <a:buSzPct val="80000"/>
+              <a:buFont typeface="Wingdings" pitchFamily="2" charset="2"/>
+              <a:buChar char="u"/>
+            </a:pPr>
+            <a:r>
+              <a:rPr lang="en-US" altLang="zh-TW" sz="1800" b="1" dirty="0">
+                <a:solidFill>
+                  <a:schemeClr val="tx1"/>
+                </a:solidFill>
+                <a:latin typeface="+mj-lt"/>
+              </a:rPr>
+              <a:t>Import Functional Component </a:t>
+            </a:r>
+            <a:r>
+              <a:rPr lang="en-US" altLang="zh-TW" sz="1800" b="1" dirty="0" err="1">
+                <a:solidFill>
+                  <a:schemeClr val="tx1"/>
+                </a:solidFill>
+                <a:latin typeface="+mj-lt"/>
+              </a:rPr>
+              <a:t>HookCounterThree</a:t>
+            </a:r>
+            <a:endParaRPr lang="en-US" altLang="zh-TW" sz="1800" b="1" dirty="0">
+              <a:solidFill>
+                <a:schemeClr val="tx1"/>
+              </a:solidFill>
+              <a:latin typeface="+mj-lt"/>
+            </a:endParaRPr>
+          </a:p>
+        </p:txBody>
+      </p:sp>
+      <p:sp>
+        <p:nvSpPr>
+          <p:cNvPr id="4" name="標題 1"/>
+          <p:cNvSpPr txBox="1">
+            <a:spLocks/>
+          </p:cNvSpPr>
+          <p:nvPr/>
+        </p:nvSpPr>
+        <p:spPr>
+          <a:xfrm>
+            <a:off x="0" y="764704"/>
+            <a:ext cx="9144000" cy="398616"/>
+          </a:xfrm>
+          <a:prstGeom prst="rect">
+            <a:avLst/>
+          </a:prstGeom>
+          <a:gradFill flip="none" rotWithShape="1">
+            <a:gsLst>
+              <a:gs pos="0">
+                <a:srgbClr val="00B0F0">
+                  <a:shade val="30000"/>
+                  <a:satMod val="115000"/>
+                </a:srgbClr>
+              </a:gs>
+              <a:gs pos="50000">
+                <a:srgbClr val="00B0F0">
+                  <a:shade val="67500"/>
+                  <a:satMod val="115000"/>
+                </a:srgbClr>
+              </a:gs>
+              <a:gs pos="100000">
+                <a:srgbClr val="00B0F0">
+                  <a:shade val="100000"/>
+                  <a:satMod val="115000"/>
+                </a:srgbClr>
+              </a:gs>
+            </a:gsLst>
+            <a:path path="circle">
+              <a:fillToRect t="100000" r="100000"/>
+            </a:path>
+            <a:tileRect l="-100000" b="-100000"/>
+          </a:gradFill>
+        </p:spPr>
+        <p:txBody>
+          <a:bodyPr vert="horz" lIns="91440" tIns="45720" rIns="91440" bIns="45720" rtlCol="0" anchor="ctr">
+            <a:normAutofit/>
+          </a:bodyPr>
+          <a:lstStyle/>
+          <a:p>
+            <a:r>
+              <a:rPr lang="en-US" sz="1600" dirty="0">
+                <a:hlinkClick r:id="rId2"/>
+              </a:rPr>
+              <a:t>https://www.youtube.com/watch?v=-3lL8oyev9w&amp;list=PLC3y8-rFHvwgg3vaYJgHGnModB54rxOk3&amp;index=47</a:t>
+            </a:r>
+            <a:endParaRPr lang="en-US" altLang="zh-TW" sz="1600" b="1" i="1" dirty="0"/>
+          </a:p>
+        </p:txBody>
+      </p:sp>
+      <p:sp>
+        <p:nvSpPr>
+          <p:cNvPr id="5" name="日期版面配置區 4"/>
+          <p:cNvSpPr>
+            <a:spLocks noGrp="1"/>
+          </p:cNvSpPr>
+          <p:nvPr>
+            <p:ph type="dt" sz="half" idx="10"/>
+          </p:nvPr>
+        </p:nvSpPr>
+        <p:spPr>
+          <a:xfrm>
+            <a:off x="457200" y="6356350"/>
+            <a:ext cx="2133600" cy="404246"/>
+          </a:xfrm>
+        </p:spPr>
+        <p:txBody>
+          <a:bodyPr/>
+          <a:lstStyle/>
+          <a:p>
+            <a:fld id="{A4F910E6-8D00-4BAF-8C48-9688E0B449D3}" type="datetime1">
+              <a:rPr lang="zh-TW" altLang="en-US" smtClean="0"/>
+              <a:pPr/>
+              <a:t>2020/6/29</a:t>
             </a:fld>
             <a:endParaRPr lang="zh-TW" altLang="en-US"/>
           </a:p>
@@ -6809,7 +7445,7 @@
             <a:fld id="{A4F910E6-8D00-4BAF-8C48-9688E0B449D3}" type="datetime1">
               <a:rPr lang="zh-TW" altLang="en-US" smtClean="0"/>
               <a:pPr/>
-              <a:t>2020/4/17</a:t>
+              <a:t>2020/6/29</a:t>
             </a:fld>
             <a:endParaRPr lang="zh-TW" altLang="en-US"/>
           </a:p>
@@ -7346,7 +7982,7 @@
             <a:fld id="{A4F910E6-8D00-4BAF-8C48-9688E0B449D3}" type="datetime1">
               <a:rPr lang="zh-TW" altLang="en-US" smtClean="0"/>
               <a:pPr/>
-              <a:t>2020/4/17</a:t>
+              <a:t>2020/6/29</a:t>
             </a:fld>
             <a:endParaRPr lang="zh-TW" altLang="en-US"/>
           </a:p>
@@ -7888,7 +8524,7 @@
             <a:fld id="{A4F910E6-8D00-4BAF-8C48-9688E0B449D3}" type="datetime1">
               <a:rPr lang="zh-TW" altLang="en-US" smtClean="0"/>
               <a:pPr/>
-              <a:t>2020/4/17</a:t>
+              <a:t>2020/6/29</a:t>
             </a:fld>
             <a:endParaRPr lang="zh-TW" altLang="en-US"/>
           </a:p>
@@ -8315,7 +8951,7 @@
             <a:fld id="{A4F910E6-8D00-4BAF-8C48-9688E0B449D3}" type="datetime1">
               <a:rPr lang="zh-TW" altLang="en-US" smtClean="0"/>
               <a:pPr/>
-              <a:t>2020/4/17</a:t>
+              <a:t>2020/6/29</a:t>
             </a:fld>
             <a:endParaRPr lang="zh-TW" altLang="en-US"/>
           </a:p>
@@ -8542,7 +9178,7 @@
             <a:fld id="{C389EDC9-19E3-47AC-9C57-C6A24DEA81AD}" type="datetime1">
               <a:rPr lang="zh-TW" altLang="en-US" smtClean="0"/>
               <a:pPr/>
-              <a:t>2020/4/17</a:t>
+              <a:t>2020/6/29</a:t>
             </a:fld>
             <a:endParaRPr lang="zh-TW" altLang="en-US"/>
           </a:p>
@@ -8862,7 +9498,7 @@
             <a:fld id="{A4F910E6-8D00-4BAF-8C48-9688E0B449D3}" type="datetime1">
               <a:rPr lang="zh-TW" altLang="en-US" smtClean="0"/>
               <a:pPr/>
-              <a:t>2020/4/17</a:t>
+              <a:t>2020/6/29</a:t>
             </a:fld>
             <a:endParaRPr lang="zh-TW" altLang="en-US"/>
           </a:p>
@@ -9306,7 +9942,7 @@
             <a:fld id="{A4F910E6-8D00-4BAF-8C48-9688E0B449D3}" type="datetime1">
               <a:rPr lang="zh-TW" altLang="en-US" smtClean="0"/>
               <a:pPr/>
-              <a:t>2020/4/17</a:t>
+              <a:t>2020/6/29</a:t>
             </a:fld>
             <a:endParaRPr lang="zh-TW" altLang="en-US"/>
           </a:p>
